--- a/伟大思想报告PPT.pptx
+++ b/伟大思想报告PPT.pptx
@@ -21,8 +21,8 @@
     <p:sldId id="271" r:id="rId15"/>
     <p:sldId id="272" r:id="rId16"/>
     <p:sldId id="269" r:id="rId17"/>
-    <p:sldId id="274" r:id="rId18"/>
-    <p:sldId id="270" r:id="rId19"/>
+    <p:sldId id="270" r:id="rId18"/>
+    <p:sldId id="274" r:id="rId19"/>
   </p:sldIdLst>
   <p:sldSz cx="12192000" cy="6858000"/>
   <p:notesSz cx="6858000" cy="9144000"/>
@@ -7872,37 +7872,41 @@
           <a:chExt cx="0" cy="0"/>
         </a:xfrm>
       </p:grpSpPr>
-      <p:sp>
-        <p:nvSpPr>
-          <p:cNvPr id="2" name="内容占位符 1">
+      <p:pic>
+        <p:nvPicPr>
+          <p:cNvPr id="5" name="内容占位符 4">
             <a:extLst>
               <a:ext uri="{FF2B5EF4-FFF2-40B4-BE49-F238E27FC236}">
-                <a16:creationId xmlns:a16="http://schemas.microsoft.com/office/drawing/2014/main" id="{1C6160A8-F78A-FD31-75D8-35D46372274C}"/>
+                <a16:creationId xmlns:a16="http://schemas.microsoft.com/office/drawing/2014/main" id="{3AB35FE8-C2CC-2B4A-3356-8E8EBA86D392}"/>
               </a:ext>
             </a:extLst>
           </p:cNvPr>
-          <p:cNvSpPr>
-            <a:spLocks noGrp="1"/>
-          </p:cNvSpPr>
+          <p:cNvPicPr>
+            <a:picLocks noGrp="1" noChangeAspect="1"/>
+          </p:cNvPicPr>
           <p:nvPr>
             <p:ph sz="quarter" idx="10"/>
           </p:nvPr>
-        </p:nvSpPr>
-        <p:spPr/>
-        <p:txBody>
-          <a:bodyPr/>
-          <a:lstStyle/>
-          <a:p>
-            <a:endParaRPr lang="zh-CN" altLang="en-US" dirty="0"/>
-          </a:p>
-        </p:txBody>
-      </p:sp>
+        </p:nvPicPr>
+        <p:blipFill>
+          <a:blip r:embed="rId2"/>
+          <a:stretch>
+            <a:fillRect/>
+          </a:stretch>
+        </p:blipFill>
+        <p:spPr>
+          <a:xfrm>
+            <a:off x="608832" y="1795234"/>
+            <a:ext cx="7278116" cy="3267531"/>
+          </a:xfrm>
+        </p:spPr>
+      </p:pic>
       <p:sp>
         <p:nvSpPr>
           <p:cNvPr id="3" name="标题 2">
             <a:extLst>
               <a:ext uri="{FF2B5EF4-FFF2-40B4-BE49-F238E27FC236}">
-                <a16:creationId xmlns:a16="http://schemas.microsoft.com/office/drawing/2014/main" id="{DF4C2B6C-CB07-2CF6-63BA-FA6F8B0A16AA}"/>
+                <a16:creationId xmlns:a16="http://schemas.microsoft.com/office/drawing/2014/main" id="{7FABECD1-0793-E444-816C-BA0EED676B26}"/>
               </a:ext>
             </a:extLst>
           </p:cNvPr>
@@ -7920,11 +7924,11 @@
           <a:p>
             <a:r>
               <a:rPr lang="zh-CN" altLang="en-US" dirty="0"/>
-              <a:t>批量梯度下降算法 </a:t>
+              <a:t>随机梯度下降算法 </a:t>
             </a:r>
             <a:r>
               <a:rPr lang="en-US" altLang="zh-CN" dirty="0"/>
-              <a:t>(BGD)</a:t>
+              <a:t>(SGD)</a:t>
             </a:r>
             <a:endParaRPr lang="zh-CN" altLang="en-US" dirty="0"/>
           </a:p>
@@ -7933,7 +7937,7 @@
     </p:spTree>
     <p:extLst>
       <p:ext uri="{BB962C8B-B14F-4D97-AF65-F5344CB8AC3E}">
-        <p14:creationId xmlns:p14="http://schemas.microsoft.com/office/powerpoint/2010/main" val="409280145"/>
+        <p14:creationId xmlns:p14="http://schemas.microsoft.com/office/powerpoint/2010/main" val="941171551"/>
       </p:ext>
     </p:extLst>
   </p:cSld>
@@ -7960,37 +7964,41 @@
           <a:chExt cx="0" cy="0"/>
         </a:xfrm>
       </p:grpSpPr>
-      <p:sp>
-        <p:nvSpPr>
-          <p:cNvPr id="2" name="内容占位符 1">
+      <p:pic>
+        <p:nvPicPr>
+          <p:cNvPr id="5" name="内容占位符 4">
             <a:extLst>
               <a:ext uri="{FF2B5EF4-FFF2-40B4-BE49-F238E27FC236}">
-                <a16:creationId xmlns:a16="http://schemas.microsoft.com/office/drawing/2014/main" id="{6C94B441-A626-BC6C-F130-1893EC342E14}"/>
+                <a16:creationId xmlns:a16="http://schemas.microsoft.com/office/drawing/2014/main" id="{21A66D20-57B8-8D2B-C2FC-9C4265B08554}"/>
               </a:ext>
             </a:extLst>
           </p:cNvPr>
-          <p:cNvSpPr>
-            <a:spLocks noGrp="1"/>
-          </p:cNvSpPr>
+          <p:cNvPicPr>
+            <a:picLocks noGrp="1" noChangeAspect="1"/>
+          </p:cNvPicPr>
           <p:nvPr>
             <p:ph sz="quarter" idx="10"/>
           </p:nvPr>
-        </p:nvSpPr>
-        <p:spPr/>
-        <p:txBody>
-          <a:bodyPr/>
-          <a:lstStyle/>
-          <a:p>
-            <a:endParaRPr lang="zh-CN" altLang="en-US"/>
-          </a:p>
-        </p:txBody>
-      </p:sp>
+        </p:nvPicPr>
+        <p:blipFill>
+          <a:blip r:embed="rId2"/>
+          <a:stretch>
+            <a:fillRect/>
+          </a:stretch>
+        </p:blipFill>
+        <p:spPr>
+          <a:xfrm>
+            <a:off x="658699" y="1831074"/>
+            <a:ext cx="9135750" cy="3743847"/>
+          </a:xfrm>
+        </p:spPr>
+      </p:pic>
       <p:sp>
         <p:nvSpPr>
           <p:cNvPr id="3" name="标题 2">
             <a:extLst>
               <a:ext uri="{FF2B5EF4-FFF2-40B4-BE49-F238E27FC236}">
-                <a16:creationId xmlns:a16="http://schemas.microsoft.com/office/drawing/2014/main" id="{7FABECD1-0793-E444-816C-BA0EED676B26}"/>
+                <a16:creationId xmlns:a16="http://schemas.microsoft.com/office/drawing/2014/main" id="{902FB778-89B6-5CC5-D6A8-057141B7FE5B}"/>
               </a:ext>
             </a:extLst>
           </p:cNvPr>
@@ -8008,20 +8016,23 @@
           <a:p>
             <a:r>
               <a:rPr lang="zh-CN" altLang="en-US" dirty="0"/>
-              <a:t>随机梯度下降算法 </a:t>
+              <a:t>小批量梯度下降算法（</a:t>
             </a:r>
             <a:r>
               <a:rPr lang="en-US" altLang="zh-CN" dirty="0"/>
-              <a:t>(SGD)</a:t>
-            </a:r>
-            <a:endParaRPr lang="zh-CN" altLang="en-US" dirty="0"/>
+              <a:t>MBGD</a:t>
+            </a:r>
+            <a:r>
+              <a:rPr lang="zh-CN" altLang="en-US" dirty="0"/>
+              <a:t>）</a:t>
+            </a:r>
           </a:p>
         </p:txBody>
       </p:sp>
     </p:spTree>
     <p:extLst>
       <p:ext uri="{BB962C8B-B14F-4D97-AF65-F5344CB8AC3E}">
-        <p14:creationId xmlns:p14="http://schemas.microsoft.com/office/powerpoint/2010/main" val="941171551"/>
+        <p14:creationId xmlns:p14="http://schemas.microsoft.com/office/powerpoint/2010/main" val="4272141052"/>
       </p:ext>
     </p:extLst>
   </p:cSld>
